--- a/python/pluralsight/py-dktp-app-dev/notes.pptx
+++ b/python/pluralsight/py-dktp-app-dev/notes.pptx
@@ -113,6 +113,11 @@
       </a:defRPr>
     </a:lvl9pPr>
   </p:defaultTextStyle>
+  <p:extLst>
+    <p:ext uri="{EFAFB233-063F-42B5-8137-9DF3F51BA10A}">
+      <p15:sldGuideLst xmlns:p15="http://schemas.microsoft.com/office/powerpoint/2012/main"/>
+    </p:ext>
+  </p:extLst>
 </p:presentation>
 </file>
 
@@ -3273,6 +3278,30 @@
           <a:chExt cx="0" cy="0"/>
         </a:xfrm>
       </p:grpSpPr>
+      <p:pic>
+        <p:nvPicPr>
+          <p:cNvPr id="2" name="Picture 1"/>
+          <p:cNvPicPr>
+            <a:picLocks noChangeAspect="1"/>
+          </p:cNvPicPr>
+          <p:nvPr/>
+        </p:nvPicPr>
+        <p:blipFill>
+          <a:blip r:embed="rId2"/>
+          <a:stretch>
+            <a:fillRect/>
+          </a:stretch>
+        </p:blipFill>
+        <p:spPr>
+          <a:xfrm>
+            <a:off x="2571750" y="619125"/>
+            <a:ext cx="7048500" cy="5619750"/>
+          </a:xfrm>
+          <a:prstGeom prst="rect">
+            <a:avLst/>
+          </a:prstGeom>
+        </p:spPr>
+      </p:pic>
     </p:spTree>
     <p:extLst>
       <p:ext uri="{BB962C8B-B14F-4D97-AF65-F5344CB8AC3E}">
